--- a/NET CORE - Technology  that has bright.pptx
+++ b/NET CORE - Technology  that has bright.pptx
@@ -5,7 +5,7 @@
     <p:sldMasterId id="2147483648" r:id="rId2"/>
   </p:sldMasterIdLst>
   <p:notesMasterIdLst>
-    <p:notesMasterId r:id="rId18"/>
+    <p:notesMasterId r:id="rId20"/>
   </p:notesMasterIdLst>
   <p:sldIdLst>
     <p:sldId id="256" r:id="rId3"/>
@@ -22,7 +22,9 @@
     <p:sldId id="266" r:id="rId14"/>
     <p:sldId id="267" r:id="rId15"/>
     <p:sldId id="268" r:id="rId16"/>
-    <p:sldId id="269" r:id="rId17"/>
+    <p:sldId id="271" r:id="rId17"/>
+    <p:sldId id="272" r:id="rId18"/>
+    <p:sldId id="269" r:id="rId19"/>
   </p:sldIdLst>
   <p:sldSz cx="12192000" cy="6858000"/>
   <p:notesSz cx="6858000" cy="9144000"/>
@@ -223,7 +225,7 @@
           <a:p>
             <a:fld id="{070B9C8A-0A8B-4924-9AD4-95F320308313}" type="datetimeFigureOut">
               <a:rPr lang="en-US" smtClean="0"/>
-              <a:t>21/05/2018</a:t>
+              <a:t>10/06/2018</a:t>
             </a:fld>
             <a:endParaRPr lang="en-US"/>
           </a:p>
@@ -827,7 +829,7 @@
             <a:fld id="{5923F103-BC34-4FE4-A40E-EDDEECFDA5D0}" type="datetimeFigureOut">
               <a:rPr lang="en-US" dirty="0"/>
               <a:pPr/>
-              <a:t>21/05/2018</a:t>
+              <a:t>10/06/2018</a:t>
             </a:fld>
             <a:endParaRPr lang="en-US" dirty="0"/>
           </a:p>
@@ -1915,7 +1917,7 @@
           <a:p>
             <a:fld id="{923A1CC3-2375-41D4-9E03-427CAF2A4C1A}" type="datetimeFigureOut">
               <a:rPr lang="en-US" dirty="0"/>
-              <a:t>21/05/2018</a:t>
+              <a:t>10/06/2018</a:t>
             </a:fld>
             <a:endParaRPr lang="en-US" dirty="0"/>
           </a:p>
@@ -2895,7 +2897,7 @@
           <a:p>
             <a:fld id="{AFF16868-8199-4C2C-A5B1-63AEE139F88E}" type="datetimeFigureOut">
               <a:rPr lang="en-US" dirty="0"/>
-              <a:t>21/05/2018</a:t>
+              <a:t>10/06/2018</a:t>
             </a:fld>
             <a:endParaRPr lang="en-US" dirty="0"/>
           </a:p>
@@ -4029,7 +4031,7 @@
           <a:p>
             <a:fld id="{AAD9FF7F-6988-44CC-821B-644E70CD2F73}" type="datetimeFigureOut">
               <a:rPr lang="en-US" dirty="0"/>
-              <a:t>21/05/2018</a:t>
+              <a:t>10/06/2018</a:t>
             </a:fld>
             <a:endParaRPr lang="en-US" dirty="0"/>
           </a:p>
@@ -5062,7 +5064,7 @@
           <a:p>
             <a:fld id="{5C12C299-16B2-4475-990D-751901EACC14}" type="datetimeFigureOut">
               <a:rPr lang="en-US" dirty="0"/>
-              <a:t>21/05/2018</a:t>
+              <a:t>10/06/2018</a:t>
             </a:fld>
             <a:endParaRPr lang="en-US" dirty="0"/>
           </a:p>
@@ -5722,7 +5724,7 @@
           <a:p>
             <a:fld id="{9FE86839-B9D8-4651-8783-F325ECE74E65}" type="datetimeFigureOut">
               <a:rPr lang="en-US" dirty="0"/>
-              <a:t>21/05/2018</a:t>
+              <a:t>10/06/2018</a:t>
             </a:fld>
             <a:endParaRPr lang="en-US" dirty="0"/>
           </a:p>
@@ -6583,7 +6585,7 @@
           <a:p>
             <a:fld id="{FD484F64-32F6-45C5-931F-ADC1662401D0}" type="datetimeFigureOut">
               <a:rPr lang="en-US" dirty="0"/>
-              <a:t>21/05/2018</a:t>
+              <a:t>10/06/2018</a:t>
             </a:fld>
             <a:endParaRPr lang="en-US" dirty="0"/>
           </a:p>
@@ -6773,7 +6775,7 @@
           <a:p>
             <a:fld id="{53086D93-FCAC-47E0-A2EE-787E62CA814C}" type="datetimeFigureOut">
               <a:rPr lang="en-US" dirty="0"/>
-              <a:t>21/05/2018</a:t>
+              <a:t>10/06/2018</a:t>
             </a:fld>
             <a:endParaRPr lang="en-US" dirty="0"/>
           </a:p>
@@ -7745,7 +7747,7 @@
           <a:p>
             <a:fld id="{CDA879A6-0FD0-4734-A311-86BFCA472E6E}" type="datetimeFigureOut">
               <a:rPr lang="en-US" dirty="0"/>
-              <a:t>21/05/2018</a:t>
+              <a:t>10/06/2018</a:t>
             </a:fld>
             <a:endParaRPr lang="en-US" dirty="0"/>
           </a:p>
@@ -7956,7 +7958,7 @@
           <a:p>
             <a:fld id="{19C9CA7B-DFD4-44B5-8C60-D14B8CD1FB59}" type="datetimeFigureOut">
               <a:rPr lang="en-US" dirty="0"/>
-              <a:t>21/05/2018</a:t>
+              <a:t>10/06/2018</a:t>
             </a:fld>
             <a:endParaRPr lang="en-US" dirty="0"/>
           </a:p>
@@ -8014,6 +8016,13 @@
   <p:clrMapOvr>
     <a:masterClrMapping/>
   </p:clrMapOvr>
+  <p:timing>
+    <p:tnLst>
+      <p:par>
+        <p:cTn id="1" dur="indefinite" restart="never" nodeType="tmRoot"/>
+      </p:par>
+    </p:tnLst>
+  </p:timing>
 </p:sldLayout>
 </file>
 
@@ -8990,7 +8999,7 @@
           <a:p>
             <a:fld id="{F34E6425-0181-43F2-84FC-787E803FD2F8}" type="datetimeFigureOut">
               <a:rPr lang="en-US" dirty="0"/>
-              <a:t>21/05/2018</a:t>
+              <a:t>10/06/2018</a:t>
             </a:fld>
             <a:endParaRPr lang="en-US" dirty="0"/>
           </a:p>
@@ -9262,7 +9271,7 @@
           <a:p>
             <a:fld id="{3BDB8791-F1B0-41E7-B7FD-A781E65C4266}" type="datetimeFigureOut">
               <a:rPr lang="en-US" dirty="0"/>
-              <a:t>21/05/2018</a:t>
+              <a:t>10/06/2018</a:t>
             </a:fld>
             <a:endParaRPr lang="en-US" dirty="0"/>
           </a:p>
@@ -9672,7 +9681,7 @@
           <a:p>
             <a:fld id="{5FDD63B2-E120-4ED8-B27B-C685F510A5FE}" type="datetimeFigureOut">
               <a:rPr lang="en-US" dirty="0"/>
-              <a:t>21/05/2018</a:t>
+              <a:t>10/06/2018</a:t>
             </a:fld>
             <a:endParaRPr lang="en-US" dirty="0"/>
           </a:p>
@@ -9799,7 +9808,7 @@
           <a:p>
             <a:fld id="{7AA18ACC-A947-437B-A130-35BD54FDF1E9}" type="datetimeFigureOut">
               <a:rPr lang="en-US" dirty="0"/>
-              <a:t>21/05/2018</a:t>
+              <a:t>10/06/2018</a:t>
             </a:fld>
             <a:endParaRPr lang="en-US" dirty="0"/>
           </a:p>
@@ -9894,7 +9903,7 @@
           <a:p>
             <a:fld id="{7C8D7E02-BCB8-4D50-A234-369438C08659}" type="datetimeFigureOut">
               <a:rPr lang="en-US" dirty="0"/>
-              <a:t>21/05/2018</a:t>
+              <a:t>10/06/2018</a:t>
             </a:fld>
             <a:endParaRPr lang="en-US" dirty="0"/>
           </a:p>
@@ -10975,7 +10984,7 @@
           <a:p>
             <a:fld id="{76E86A4C-8E40-4F87-A4F0-01A0687C5742}" type="datetimeFigureOut">
               <a:rPr lang="en-US" dirty="0"/>
-              <a:t>21/05/2018</a:t>
+              <a:t>10/06/2018</a:t>
             </a:fld>
             <a:endParaRPr lang="en-US" dirty="0"/>
           </a:p>
@@ -12083,7 +12092,7 @@
           <a:p>
             <a:fld id="{35E72C73-2D91-4E12-BA25-F0AA0C03599B}" type="datetimeFigureOut">
               <a:rPr lang="en-US" dirty="0"/>
-              <a:t>21/05/2018</a:t>
+              <a:t>10/06/2018</a:t>
             </a:fld>
             <a:endParaRPr lang="en-US" dirty="0"/>
           </a:p>
@@ -13080,7 +13089,7 @@
           <a:p>
             <a:fld id="{2BE451C3-0FF4-47C4-B829-773ADF60F88C}" type="datetimeFigureOut">
               <a:rPr lang="en-US" dirty="0"/>
-              <a:t>21/05/2018</a:t>
+              <a:t>10/06/2018</a:t>
             </a:fld>
             <a:endParaRPr lang="en-US" dirty="0"/>
           </a:p>
@@ -14569,7 +14578,9 @@
           </a:xfrm>
         </p:spPr>
         <p:txBody>
-          <a:bodyPr/>
+          <a:bodyPr>
+            <a:normAutofit fontScale="92500" lnSpcReduction="10000"/>
+          </a:bodyPr>
           <a:lstStyle/>
           <a:p>
             <a:r>
@@ -14596,8 +14607,21 @@
             </a:r>
             <a:r>
               <a:rPr lang="en-US" dirty="0"/>
-              <a:t>also supports Visual Basic</a:t>
-            </a:r>
+              <a:t>also supports Visual </a:t>
+            </a:r>
+            <a:r>
+              <a:rPr lang="en-US" dirty="0" smtClean="0"/>
+              <a:t>Basic</a:t>
+            </a:r>
+          </a:p>
+          <a:p>
+            <a:r>
+              <a:rPr lang="en-US" dirty="0" smtClean="0"/>
+              <a:t>.NET Core 2.1 </a:t>
+            </a:r>
+          </a:p>
+          <a:p>
+            <a:endParaRPr lang="en-US" dirty="0"/>
           </a:p>
         </p:txBody>
       </p:sp>
@@ -14992,7 +15016,7 @@
                             </p:stCondLst>
                             <p:childTnLst>
                               <p:par>
-                                <p:cTn id="17" presetID="31" presetClass="entr" presetSubtype="0" fill="hold" nodeType="clickEffect">
+                                <p:cTn id="17" presetID="2" presetClass="entr" presetSubtype="8" fill="hold" grpId="0" nodeType="clickEffect">
                                   <p:stCondLst>
                                     <p:cond delay="0"/>
                                   </p:stCondLst>
@@ -15000,6 +15024,109 @@
                                     <p:set>
                                       <p:cBhvr>
                                         <p:cTn id="18" dur="1" fill="hold">
+                                          <p:stCondLst>
+                                            <p:cond delay="0"/>
+                                          </p:stCondLst>
+                                        </p:cTn>
+                                        <p:tgtEl>
+                                          <p:spTgt spid="3">
+                                            <p:txEl>
+                                              <p:pRg st="2" end="2"/>
+                                            </p:txEl>
+                                          </p:spTgt>
+                                        </p:tgtEl>
+                                        <p:attrNameLst>
+                                          <p:attrName>style.visibility</p:attrName>
+                                        </p:attrNameLst>
+                                      </p:cBhvr>
+                                      <p:to>
+                                        <p:strVal val="visible"/>
+                                      </p:to>
+                                    </p:set>
+                                    <p:anim calcmode="lin" valueType="num">
+                                      <p:cBhvr additive="base">
+                                        <p:cTn id="19" dur="500" fill="hold"/>
+                                        <p:tgtEl>
+                                          <p:spTgt spid="3">
+                                            <p:txEl>
+                                              <p:pRg st="2" end="2"/>
+                                            </p:txEl>
+                                          </p:spTgt>
+                                        </p:tgtEl>
+                                        <p:attrNameLst>
+                                          <p:attrName>ppt_x</p:attrName>
+                                        </p:attrNameLst>
+                                      </p:cBhvr>
+                                      <p:tavLst>
+                                        <p:tav tm="0">
+                                          <p:val>
+                                            <p:strVal val="0-#ppt_w/2"/>
+                                          </p:val>
+                                        </p:tav>
+                                        <p:tav tm="100000">
+                                          <p:val>
+                                            <p:strVal val="#ppt_x"/>
+                                          </p:val>
+                                        </p:tav>
+                                      </p:tavLst>
+                                    </p:anim>
+                                    <p:anim calcmode="lin" valueType="num">
+                                      <p:cBhvr additive="base">
+                                        <p:cTn id="20" dur="500" fill="hold"/>
+                                        <p:tgtEl>
+                                          <p:spTgt spid="3">
+                                            <p:txEl>
+                                              <p:pRg st="2" end="2"/>
+                                            </p:txEl>
+                                          </p:spTgt>
+                                        </p:tgtEl>
+                                        <p:attrNameLst>
+                                          <p:attrName>ppt_y</p:attrName>
+                                        </p:attrNameLst>
+                                      </p:cBhvr>
+                                      <p:tavLst>
+                                        <p:tav tm="0">
+                                          <p:val>
+                                            <p:strVal val="#ppt_y"/>
+                                          </p:val>
+                                        </p:tav>
+                                        <p:tav tm="100000">
+                                          <p:val>
+                                            <p:strVal val="#ppt_y"/>
+                                          </p:val>
+                                        </p:tav>
+                                      </p:tavLst>
+                                    </p:anim>
+                                  </p:childTnLst>
+                                </p:cTn>
+                              </p:par>
+                            </p:childTnLst>
+                          </p:cTn>
+                        </p:par>
+                      </p:childTnLst>
+                    </p:cTn>
+                  </p:par>
+                  <p:par>
+                    <p:cTn id="21" fill="hold">
+                      <p:stCondLst>
+                        <p:cond delay="indefinite"/>
+                      </p:stCondLst>
+                      <p:childTnLst>
+                        <p:par>
+                          <p:cTn id="22" fill="hold">
+                            <p:stCondLst>
+                              <p:cond delay="0"/>
+                            </p:stCondLst>
+                            <p:childTnLst>
+                              <p:par>
+                                <p:cTn id="23" presetID="31" presetClass="entr" presetSubtype="0" fill="hold" nodeType="clickEffect">
+                                  <p:stCondLst>
+                                    <p:cond delay="0"/>
+                                  </p:stCondLst>
+                                  <p:childTnLst>
+                                    <p:set>
+                                      <p:cBhvr>
+                                        <p:cTn id="24" dur="1" fill="hold">
                                           <p:stCondLst>
                                             <p:cond delay="0"/>
                                           </p:stCondLst>
@@ -15017,7 +15144,7 @@
                                     </p:set>
                                     <p:anim calcmode="lin" valueType="num">
                                       <p:cBhvr>
-                                        <p:cTn id="19" dur="1000" fill="hold"/>
+                                        <p:cTn id="25" dur="1000" fill="hold"/>
                                         <p:tgtEl>
                                           <p:spTgt spid="5"/>
                                         </p:tgtEl>
@@ -15040,7 +15167,7 @@
                                     </p:anim>
                                     <p:anim calcmode="lin" valueType="num">
                                       <p:cBhvr>
-                                        <p:cTn id="20" dur="1000" fill="hold"/>
+                                        <p:cTn id="26" dur="1000" fill="hold"/>
                                         <p:tgtEl>
                                           <p:spTgt spid="5"/>
                                         </p:tgtEl>
@@ -15063,7 +15190,7 @@
                                     </p:anim>
                                     <p:anim calcmode="lin" valueType="num">
                                       <p:cBhvr>
-                                        <p:cTn id="21" dur="1000" fill="hold"/>
+                                        <p:cTn id="27" dur="1000" fill="hold"/>
                                         <p:tgtEl>
                                           <p:spTgt spid="5"/>
                                         </p:tgtEl>
@@ -15086,7 +15213,7 @@
                                     </p:anim>
                                     <p:animEffect transition="in" filter="fade">
                                       <p:cBhvr>
-                                        <p:cTn id="22" dur="1000"/>
+                                        <p:cTn id="28" dur="1000"/>
                                         <p:tgtEl>
                                           <p:spTgt spid="5"/>
                                         </p:tgtEl>
@@ -15102,26 +15229,26 @@
                     </p:cTn>
                   </p:par>
                   <p:par>
-                    <p:cTn id="23" fill="hold">
+                    <p:cTn id="29" fill="hold">
                       <p:stCondLst>
                         <p:cond delay="indefinite"/>
                       </p:stCondLst>
                       <p:childTnLst>
                         <p:par>
-                          <p:cTn id="24" fill="hold">
+                          <p:cTn id="30" fill="hold">
                             <p:stCondLst>
                               <p:cond delay="0"/>
                             </p:stCondLst>
                             <p:childTnLst>
                               <p:par>
-                                <p:cTn id="25" presetID="2" presetClass="entr" presetSubtype="4" fill="hold" grpId="0" nodeType="clickEffect">
+                                <p:cTn id="31" presetID="2" presetClass="entr" presetSubtype="4" fill="hold" grpId="0" nodeType="clickEffect">
                                   <p:stCondLst>
                                     <p:cond delay="0"/>
                                   </p:stCondLst>
                                   <p:childTnLst>
                                     <p:set>
                                       <p:cBhvr>
-                                        <p:cTn id="26" dur="1" fill="hold">
+                                        <p:cTn id="32" dur="1" fill="hold">
                                           <p:stCondLst>
                                             <p:cond delay="0"/>
                                           </p:stCondLst>
@@ -15139,7 +15266,7 @@
                                     </p:set>
                                     <p:anim calcmode="lin" valueType="num">
                                       <p:cBhvr additive="base">
-                                        <p:cTn id="27" dur="500" fill="hold"/>
+                                        <p:cTn id="33" dur="500" fill="hold"/>
                                         <p:tgtEl>
                                           <p:spTgt spid="4"/>
                                         </p:tgtEl>
@@ -15162,7 +15289,7 @@
                                     </p:anim>
                                     <p:anim calcmode="lin" valueType="num">
                                       <p:cBhvr additive="base">
-                                        <p:cTn id="28" dur="500" fill="hold"/>
+                                        <p:cTn id="34" dur="500" fill="hold"/>
                                         <p:tgtEl>
                                           <p:spTgt spid="4"/>
                                         </p:tgtEl>
@@ -15214,7 +15341,7 @@
       </p:par>
     </p:tnLst>
     <p:bldLst>
-      <p:bldP spid="3" grpId="0" build="p"/>
+      <p:bldP spid="3" grpId="0" uiExpand="1" build="p"/>
       <p:bldP spid="4" grpId="0"/>
     </p:bldLst>
   </p:timing>
@@ -15864,6 +15991,1291 @@
           <a:chExt cx="0" cy="0"/>
         </a:xfrm>
       </p:grpSpPr>
+      <p:sp>
+        <p:nvSpPr>
+          <p:cNvPr id="2" name="Title 1"/>
+          <p:cNvSpPr>
+            <a:spLocks noGrp="1"/>
+          </p:cNvSpPr>
+          <p:nvPr>
+            <p:ph type="title"/>
+          </p:nvPr>
+        </p:nvSpPr>
+        <p:spPr/>
+        <p:txBody>
+          <a:bodyPr/>
+          <a:lstStyle/>
+          <a:p>
+            <a:r>
+              <a:rPr lang="en-US" dirty="0" smtClean="0"/>
+              <a:t>In </a:t>
+            </a:r>
+            <a:r>
+              <a:rPr lang="en-US" dirty="0" err="1" smtClean="0"/>
+              <a:t>Bonuse</a:t>
+            </a:r>
+            <a:r>
+              <a:rPr lang="hy-AM" dirty="0" smtClean="0"/>
+              <a:t>. </a:t>
+            </a:r>
+            <a:r>
+              <a:rPr lang="en-US" dirty="0" smtClean="0"/>
+              <a:t>.NET </a:t>
+            </a:r>
+            <a:r>
+              <a:rPr lang="en-US" dirty="0"/>
+              <a:t>core 2.1 released</a:t>
+            </a:r>
+          </a:p>
+        </p:txBody>
+      </p:sp>
+      <p:sp>
+        <p:nvSpPr>
+          <p:cNvPr id="3" name="Content Placeholder 2"/>
+          <p:cNvSpPr>
+            <a:spLocks noGrp="1"/>
+          </p:cNvSpPr>
+          <p:nvPr>
+            <p:ph idx="1"/>
+          </p:nvPr>
+        </p:nvSpPr>
+        <p:spPr/>
+        <p:txBody>
+          <a:bodyPr/>
+          <a:lstStyle/>
+          <a:p>
+            <a:r>
+              <a:rPr lang="en-US" dirty="0"/>
+              <a:t>New platform support, such as: Ubuntu 18.04, Alpine, ARM32.</a:t>
+            </a:r>
+          </a:p>
+          <a:p>
+            <a:r>
+              <a:rPr lang="en-US" dirty="0"/>
+              <a:t>Chip support follows</a:t>
+            </a:r>
+            <a:r>
+              <a:rPr lang="en-US" dirty="0" smtClean="0"/>
+              <a:t>: x64,</a:t>
+            </a:r>
+            <a:r>
+              <a:rPr lang="en-US" dirty="0"/>
+              <a:t> </a:t>
+            </a:r>
+            <a:r>
+              <a:rPr lang="en-US" dirty="0" smtClean="0"/>
+              <a:t>x86,</a:t>
+            </a:r>
+            <a:r>
+              <a:rPr lang="fi-FI" dirty="0"/>
+              <a:t> ARM32 on </a:t>
+            </a:r>
+            <a:r>
+              <a:rPr lang="fi-FI" dirty="0" smtClean="0"/>
+              <a:t>Linux</a:t>
+            </a:r>
+          </a:p>
+          <a:p>
+            <a:r>
+              <a:rPr lang="en-US" dirty="0" smtClean="0"/>
+              <a:t>Now </a:t>
+            </a:r>
+            <a:r>
+              <a:rPr lang="en-US" dirty="0"/>
+              <a:t>has a new deployment and extensibility mechanism for tools</a:t>
+            </a:r>
+            <a:r>
+              <a:rPr lang="en-US" dirty="0" smtClean="0"/>
+              <a:t>.</a:t>
+            </a:r>
+          </a:p>
+          <a:p>
+            <a:r>
+              <a:rPr lang="en-US" dirty="0"/>
+              <a:t>Runtime Performance </a:t>
+            </a:r>
+            <a:r>
+              <a:rPr lang="en-US" dirty="0" smtClean="0"/>
+              <a:t>Improvements</a:t>
+            </a:r>
+          </a:p>
+          <a:p>
+            <a:r>
+              <a:rPr lang="en-US" dirty="0"/>
+              <a:t>Networking Performance </a:t>
+            </a:r>
+            <a:r>
+              <a:rPr lang="en-US" dirty="0" smtClean="0"/>
+              <a:t>Improvements</a:t>
+            </a:r>
+          </a:p>
+          <a:p>
+            <a:r>
+              <a:rPr lang="en-US" dirty="0"/>
+              <a:t>New Cryptography </a:t>
+            </a:r>
+            <a:r>
+              <a:rPr lang="en-US" dirty="0" smtClean="0"/>
+              <a:t>APIs</a:t>
+            </a:r>
+          </a:p>
+          <a:p>
+            <a:r>
+              <a:rPr lang="en-US" dirty="0"/>
+              <a:t>Build Performance Improvements</a:t>
+            </a:r>
+            <a:endParaRPr lang="en-US" dirty="0"/>
+          </a:p>
+        </p:txBody>
+      </p:sp>
+    </p:spTree>
+    <p:extLst>
+      <p:ext uri="{BB962C8B-B14F-4D97-AF65-F5344CB8AC3E}">
+        <p14:creationId xmlns:p14="http://schemas.microsoft.com/office/powerpoint/2010/main" val="1884695626"/>
+      </p:ext>
+    </p:extLst>
+  </p:cSld>
+  <p:clrMapOvr>
+    <a:masterClrMapping/>
+  </p:clrMapOvr>
+  <p:timing>
+    <p:tnLst>
+      <p:par>
+        <p:cTn id="1" dur="indefinite" restart="never" nodeType="tmRoot">
+          <p:childTnLst>
+            <p:seq concurrent="1" nextAc="seek">
+              <p:cTn id="2" dur="indefinite" nodeType="mainSeq">
+                <p:childTnLst>
+                  <p:par>
+                    <p:cTn id="3" fill="hold">
+                      <p:stCondLst>
+                        <p:cond delay="indefinite"/>
+                      </p:stCondLst>
+                      <p:childTnLst>
+                        <p:par>
+                          <p:cTn id="4" fill="hold">
+                            <p:stCondLst>
+                              <p:cond delay="0"/>
+                            </p:stCondLst>
+                            <p:childTnLst>
+                              <p:par>
+                                <p:cTn id="5" presetID="2" presetClass="entr" presetSubtype="4" fill="hold" grpId="0" nodeType="clickEffect">
+                                  <p:stCondLst>
+                                    <p:cond delay="0"/>
+                                  </p:stCondLst>
+                                  <p:childTnLst>
+                                    <p:set>
+                                      <p:cBhvr>
+                                        <p:cTn id="6" dur="1" fill="hold">
+                                          <p:stCondLst>
+                                            <p:cond delay="0"/>
+                                          </p:stCondLst>
+                                        </p:cTn>
+                                        <p:tgtEl>
+                                          <p:spTgt spid="3">
+                                            <p:txEl>
+                                              <p:pRg st="0" end="0"/>
+                                            </p:txEl>
+                                          </p:spTgt>
+                                        </p:tgtEl>
+                                        <p:attrNameLst>
+                                          <p:attrName>style.visibility</p:attrName>
+                                        </p:attrNameLst>
+                                      </p:cBhvr>
+                                      <p:to>
+                                        <p:strVal val="visible"/>
+                                      </p:to>
+                                    </p:set>
+                                    <p:anim calcmode="lin" valueType="num">
+                                      <p:cBhvr additive="base">
+                                        <p:cTn id="7" dur="500" fill="hold"/>
+                                        <p:tgtEl>
+                                          <p:spTgt spid="3">
+                                            <p:txEl>
+                                              <p:pRg st="0" end="0"/>
+                                            </p:txEl>
+                                          </p:spTgt>
+                                        </p:tgtEl>
+                                        <p:attrNameLst>
+                                          <p:attrName>ppt_x</p:attrName>
+                                        </p:attrNameLst>
+                                      </p:cBhvr>
+                                      <p:tavLst>
+                                        <p:tav tm="0">
+                                          <p:val>
+                                            <p:strVal val="#ppt_x"/>
+                                          </p:val>
+                                        </p:tav>
+                                        <p:tav tm="100000">
+                                          <p:val>
+                                            <p:strVal val="#ppt_x"/>
+                                          </p:val>
+                                        </p:tav>
+                                      </p:tavLst>
+                                    </p:anim>
+                                    <p:anim calcmode="lin" valueType="num">
+                                      <p:cBhvr additive="base">
+                                        <p:cTn id="8" dur="500" fill="hold"/>
+                                        <p:tgtEl>
+                                          <p:spTgt spid="3">
+                                            <p:txEl>
+                                              <p:pRg st="0" end="0"/>
+                                            </p:txEl>
+                                          </p:spTgt>
+                                        </p:tgtEl>
+                                        <p:attrNameLst>
+                                          <p:attrName>ppt_y</p:attrName>
+                                        </p:attrNameLst>
+                                      </p:cBhvr>
+                                      <p:tavLst>
+                                        <p:tav tm="0">
+                                          <p:val>
+                                            <p:strVal val="1+#ppt_h/2"/>
+                                          </p:val>
+                                        </p:tav>
+                                        <p:tav tm="100000">
+                                          <p:val>
+                                            <p:strVal val="#ppt_y"/>
+                                          </p:val>
+                                        </p:tav>
+                                      </p:tavLst>
+                                    </p:anim>
+                                  </p:childTnLst>
+                                </p:cTn>
+                              </p:par>
+                            </p:childTnLst>
+                          </p:cTn>
+                        </p:par>
+                      </p:childTnLst>
+                    </p:cTn>
+                  </p:par>
+                  <p:par>
+                    <p:cTn id="9" fill="hold">
+                      <p:stCondLst>
+                        <p:cond delay="indefinite"/>
+                      </p:stCondLst>
+                      <p:childTnLst>
+                        <p:par>
+                          <p:cTn id="10" fill="hold">
+                            <p:stCondLst>
+                              <p:cond delay="0"/>
+                            </p:stCondLst>
+                            <p:childTnLst>
+                              <p:par>
+                                <p:cTn id="11" presetID="2" presetClass="entr" presetSubtype="4" fill="hold" grpId="0" nodeType="clickEffect">
+                                  <p:stCondLst>
+                                    <p:cond delay="0"/>
+                                  </p:stCondLst>
+                                  <p:childTnLst>
+                                    <p:set>
+                                      <p:cBhvr>
+                                        <p:cTn id="12" dur="1" fill="hold">
+                                          <p:stCondLst>
+                                            <p:cond delay="0"/>
+                                          </p:stCondLst>
+                                        </p:cTn>
+                                        <p:tgtEl>
+                                          <p:spTgt spid="3">
+                                            <p:txEl>
+                                              <p:pRg st="1" end="1"/>
+                                            </p:txEl>
+                                          </p:spTgt>
+                                        </p:tgtEl>
+                                        <p:attrNameLst>
+                                          <p:attrName>style.visibility</p:attrName>
+                                        </p:attrNameLst>
+                                      </p:cBhvr>
+                                      <p:to>
+                                        <p:strVal val="visible"/>
+                                      </p:to>
+                                    </p:set>
+                                    <p:anim calcmode="lin" valueType="num">
+                                      <p:cBhvr additive="base">
+                                        <p:cTn id="13" dur="500" fill="hold"/>
+                                        <p:tgtEl>
+                                          <p:spTgt spid="3">
+                                            <p:txEl>
+                                              <p:pRg st="1" end="1"/>
+                                            </p:txEl>
+                                          </p:spTgt>
+                                        </p:tgtEl>
+                                        <p:attrNameLst>
+                                          <p:attrName>ppt_x</p:attrName>
+                                        </p:attrNameLst>
+                                      </p:cBhvr>
+                                      <p:tavLst>
+                                        <p:tav tm="0">
+                                          <p:val>
+                                            <p:strVal val="#ppt_x"/>
+                                          </p:val>
+                                        </p:tav>
+                                        <p:tav tm="100000">
+                                          <p:val>
+                                            <p:strVal val="#ppt_x"/>
+                                          </p:val>
+                                        </p:tav>
+                                      </p:tavLst>
+                                    </p:anim>
+                                    <p:anim calcmode="lin" valueType="num">
+                                      <p:cBhvr additive="base">
+                                        <p:cTn id="14" dur="500" fill="hold"/>
+                                        <p:tgtEl>
+                                          <p:spTgt spid="3">
+                                            <p:txEl>
+                                              <p:pRg st="1" end="1"/>
+                                            </p:txEl>
+                                          </p:spTgt>
+                                        </p:tgtEl>
+                                        <p:attrNameLst>
+                                          <p:attrName>ppt_y</p:attrName>
+                                        </p:attrNameLst>
+                                      </p:cBhvr>
+                                      <p:tavLst>
+                                        <p:tav tm="0">
+                                          <p:val>
+                                            <p:strVal val="1+#ppt_h/2"/>
+                                          </p:val>
+                                        </p:tav>
+                                        <p:tav tm="100000">
+                                          <p:val>
+                                            <p:strVal val="#ppt_y"/>
+                                          </p:val>
+                                        </p:tav>
+                                      </p:tavLst>
+                                    </p:anim>
+                                  </p:childTnLst>
+                                </p:cTn>
+                              </p:par>
+                            </p:childTnLst>
+                          </p:cTn>
+                        </p:par>
+                      </p:childTnLst>
+                    </p:cTn>
+                  </p:par>
+                  <p:par>
+                    <p:cTn id="15" fill="hold">
+                      <p:stCondLst>
+                        <p:cond delay="indefinite"/>
+                      </p:stCondLst>
+                      <p:childTnLst>
+                        <p:par>
+                          <p:cTn id="16" fill="hold">
+                            <p:stCondLst>
+                              <p:cond delay="0"/>
+                            </p:stCondLst>
+                            <p:childTnLst>
+                              <p:par>
+                                <p:cTn id="17" presetID="2" presetClass="entr" presetSubtype="4" fill="hold" grpId="0" nodeType="clickEffect">
+                                  <p:stCondLst>
+                                    <p:cond delay="0"/>
+                                  </p:stCondLst>
+                                  <p:childTnLst>
+                                    <p:set>
+                                      <p:cBhvr>
+                                        <p:cTn id="18" dur="1" fill="hold">
+                                          <p:stCondLst>
+                                            <p:cond delay="0"/>
+                                          </p:stCondLst>
+                                        </p:cTn>
+                                        <p:tgtEl>
+                                          <p:spTgt spid="3">
+                                            <p:txEl>
+                                              <p:pRg st="2" end="2"/>
+                                            </p:txEl>
+                                          </p:spTgt>
+                                        </p:tgtEl>
+                                        <p:attrNameLst>
+                                          <p:attrName>style.visibility</p:attrName>
+                                        </p:attrNameLst>
+                                      </p:cBhvr>
+                                      <p:to>
+                                        <p:strVal val="visible"/>
+                                      </p:to>
+                                    </p:set>
+                                    <p:anim calcmode="lin" valueType="num">
+                                      <p:cBhvr additive="base">
+                                        <p:cTn id="19" dur="500" fill="hold"/>
+                                        <p:tgtEl>
+                                          <p:spTgt spid="3">
+                                            <p:txEl>
+                                              <p:pRg st="2" end="2"/>
+                                            </p:txEl>
+                                          </p:spTgt>
+                                        </p:tgtEl>
+                                        <p:attrNameLst>
+                                          <p:attrName>ppt_x</p:attrName>
+                                        </p:attrNameLst>
+                                      </p:cBhvr>
+                                      <p:tavLst>
+                                        <p:tav tm="0">
+                                          <p:val>
+                                            <p:strVal val="#ppt_x"/>
+                                          </p:val>
+                                        </p:tav>
+                                        <p:tav tm="100000">
+                                          <p:val>
+                                            <p:strVal val="#ppt_x"/>
+                                          </p:val>
+                                        </p:tav>
+                                      </p:tavLst>
+                                    </p:anim>
+                                    <p:anim calcmode="lin" valueType="num">
+                                      <p:cBhvr additive="base">
+                                        <p:cTn id="20" dur="500" fill="hold"/>
+                                        <p:tgtEl>
+                                          <p:spTgt spid="3">
+                                            <p:txEl>
+                                              <p:pRg st="2" end="2"/>
+                                            </p:txEl>
+                                          </p:spTgt>
+                                        </p:tgtEl>
+                                        <p:attrNameLst>
+                                          <p:attrName>ppt_y</p:attrName>
+                                        </p:attrNameLst>
+                                      </p:cBhvr>
+                                      <p:tavLst>
+                                        <p:tav tm="0">
+                                          <p:val>
+                                            <p:strVal val="1+#ppt_h/2"/>
+                                          </p:val>
+                                        </p:tav>
+                                        <p:tav tm="100000">
+                                          <p:val>
+                                            <p:strVal val="#ppt_y"/>
+                                          </p:val>
+                                        </p:tav>
+                                      </p:tavLst>
+                                    </p:anim>
+                                  </p:childTnLst>
+                                </p:cTn>
+                              </p:par>
+                            </p:childTnLst>
+                          </p:cTn>
+                        </p:par>
+                      </p:childTnLst>
+                    </p:cTn>
+                  </p:par>
+                  <p:par>
+                    <p:cTn id="21" fill="hold">
+                      <p:stCondLst>
+                        <p:cond delay="indefinite"/>
+                      </p:stCondLst>
+                      <p:childTnLst>
+                        <p:par>
+                          <p:cTn id="22" fill="hold">
+                            <p:stCondLst>
+                              <p:cond delay="0"/>
+                            </p:stCondLst>
+                            <p:childTnLst>
+                              <p:par>
+                                <p:cTn id="23" presetID="2" presetClass="entr" presetSubtype="4" fill="hold" grpId="0" nodeType="clickEffect">
+                                  <p:stCondLst>
+                                    <p:cond delay="0"/>
+                                  </p:stCondLst>
+                                  <p:childTnLst>
+                                    <p:set>
+                                      <p:cBhvr>
+                                        <p:cTn id="24" dur="1" fill="hold">
+                                          <p:stCondLst>
+                                            <p:cond delay="0"/>
+                                          </p:stCondLst>
+                                        </p:cTn>
+                                        <p:tgtEl>
+                                          <p:spTgt spid="3">
+                                            <p:txEl>
+                                              <p:pRg st="3" end="3"/>
+                                            </p:txEl>
+                                          </p:spTgt>
+                                        </p:tgtEl>
+                                        <p:attrNameLst>
+                                          <p:attrName>style.visibility</p:attrName>
+                                        </p:attrNameLst>
+                                      </p:cBhvr>
+                                      <p:to>
+                                        <p:strVal val="visible"/>
+                                      </p:to>
+                                    </p:set>
+                                    <p:anim calcmode="lin" valueType="num">
+                                      <p:cBhvr additive="base">
+                                        <p:cTn id="25" dur="500" fill="hold"/>
+                                        <p:tgtEl>
+                                          <p:spTgt spid="3">
+                                            <p:txEl>
+                                              <p:pRg st="3" end="3"/>
+                                            </p:txEl>
+                                          </p:spTgt>
+                                        </p:tgtEl>
+                                        <p:attrNameLst>
+                                          <p:attrName>ppt_x</p:attrName>
+                                        </p:attrNameLst>
+                                      </p:cBhvr>
+                                      <p:tavLst>
+                                        <p:tav tm="0">
+                                          <p:val>
+                                            <p:strVal val="#ppt_x"/>
+                                          </p:val>
+                                        </p:tav>
+                                        <p:tav tm="100000">
+                                          <p:val>
+                                            <p:strVal val="#ppt_x"/>
+                                          </p:val>
+                                        </p:tav>
+                                      </p:tavLst>
+                                    </p:anim>
+                                    <p:anim calcmode="lin" valueType="num">
+                                      <p:cBhvr additive="base">
+                                        <p:cTn id="26" dur="500" fill="hold"/>
+                                        <p:tgtEl>
+                                          <p:spTgt spid="3">
+                                            <p:txEl>
+                                              <p:pRg st="3" end="3"/>
+                                            </p:txEl>
+                                          </p:spTgt>
+                                        </p:tgtEl>
+                                        <p:attrNameLst>
+                                          <p:attrName>ppt_y</p:attrName>
+                                        </p:attrNameLst>
+                                      </p:cBhvr>
+                                      <p:tavLst>
+                                        <p:tav tm="0">
+                                          <p:val>
+                                            <p:strVal val="1+#ppt_h/2"/>
+                                          </p:val>
+                                        </p:tav>
+                                        <p:tav tm="100000">
+                                          <p:val>
+                                            <p:strVal val="#ppt_y"/>
+                                          </p:val>
+                                        </p:tav>
+                                      </p:tavLst>
+                                    </p:anim>
+                                  </p:childTnLst>
+                                </p:cTn>
+                              </p:par>
+                            </p:childTnLst>
+                          </p:cTn>
+                        </p:par>
+                      </p:childTnLst>
+                    </p:cTn>
+                  </p:par>
+                  <p:par>
+                    <p:cTn id="27" fill="hold">
+                      <p:stCondLst>
+                        <p:cond delay="indefinite"/>
+                      </p:stCondLst>
+                      <p:childTnLst>
+                        <p:par>
+                          <p:cTn id="28" fill="hold">
+                            <p:stCondLst>
+                              <p:cond delay="0"/>
+                            </p:stCondLst>
+                            <p:childTnLst>
+                              <p:par>
+                                <p:cTn id="29" presetID="2" presetClass="entr" presetSubtype="4" fill="hold" grpId="0" nodeType="clickEffect">
+                                  <p:stCondLst>
+                                    <p:cond delay="0"/>
+                                  </p:stCondLst>
+                                  <p:childTnLst>
+                                    <p:set>
+                                      <p:cBhvr>
+                                        <p:cTn id="30" dur="1" fill="hold">
+                                          <p:stCondLst>
+                                            <p:cond delay="0"/>
+                                          </p:stCondLst>
+                                        </p:cTn>
+                                        <p:tgtEl>
+                                          <p:spTgt spid="3">
+                                            <p:txEl>
+                                              <p:pRg st="4" end="4"/>
+                                            </p:txEl>
+                                          </p:spTgt>
+                                        </p:tgtEl>
+                                        <p:attrNameLst>
+                                          <p:attrName>style.visibility</p:attrName>
+                                        </p:attrNameLst>
+                                      </p:cBhvr>
+                                      <p:to>
+                                        <p:strVal val="visible"/>
+                                      </p:to>
+                                    </p:set>
+                                    <p:anim calcmode="lin" valueType="num">
+                                      <p:cBhvr additive="base">
+                                        <p:cTn id="31" dur="500" fill="hold"/>
+                                        <p:tgtEl>
+                                          <p:spTgt spid="3">
+                                            <p:txEl>
+                                              <p:pRg st="4" end="4"/>
+                                            </p:txEl>
+                                          </p:spTgt>
+                                        </p:tgtEl>
+                                        <p:attrNameLst>
+                                          <p:attrName>ppt_x</p:attrName>
+                                        </p:attrNameLst>
+                                      </p:cBhvr>
+                                      <p:tavLst>
+                                        <p:tav tm="0">
+                                          <p:val>
+                                            <p:strVal val="#ppt_x"/>
+                                          </p:val>
+                                        </p:tav>
+                                        <p:tav tm="100000">
+                                          <p:val>
+                                            <p:strVal val="#ppt_x"/>
+                                          </p:val>
+                                        </p:tav>
+                                      </p:tavLst>
+                                    </p:anim>
+                                    <p:anim calcmode="lin" valueType="num">
+                                      <p:cBhvr additive="base">
+                                        <p:cTn id="32" dur="500" fill="hold"/>
+                                        <p:tgtEl>
+                                          <p:spTgt spid="3">
+                                            <p:txEl>
+                                              <p:pRg st="4" end="4"/>
+                                            </p:txEl>
+                                          </p:spTgt>
+                                        </p:tgtEl>
+                                        <p:attrNameLst>
+                                          <p:attrName>ppt_y</p:attrName>
+                                        </p:attrNameLst>
+                                      </p:cBhvr>
+                                      <p:tavLst>
+                                        <p:tav tm="0">
+                                          <p:val>
+                                            <p:strVal val="1+#ppt_h/2"/>
+                                          </p:val>
+                                        </p:tav>
+                                        <p:tav tm="100000">
+                                          <p:val>
+                                            <p:strVal val="#ppt_y"/>
+                                          </p:val>
+                                        </p:tav>
+                                      </p:tavLst>
+                                    </p:anim>
+                                  </p:childTnLst>
+                                </p:cTn>
+                              </p:par>
+                            </p:childTnLst>
+                          </p:cTn>
+                        </p:par>
+                      </p:childTnLst>
+                    </p:cTn>
+                  </p:par>
+                  <p:par>
+                    <p:cTn id="33" fill="hold">
+                      <p:stCondLst>
+                        <p:cond delay="indefinite"/>
+                      </p:stCondLst>
+                      <p:childTnLst>
+                        <p:par>
+                          <p:cTn id="34" fill="hold">
+                            <p:stCondLst>
+                              <p:cond delay="0"/>
+                            </p:stCondLst>
+                            <p:childTnLst>
+                              <p:par>
+                                <p:cTn id="35" presetID="2" presetClass="entr" presetSubtype="4" fill="hold" grpId="0" nodeType="clickEffect">
+                                  <p:stCondLst>
+                                    <p:cond delay="0"/>
+                                  </p:stCondLst>
+                                  <p:childTnLst>
+                                    <p:set>
+                                      <p:cBhvr>
+                                        <p:cTn id="36" dur="1" fill="hold">
+                                          <p:stCondLst>
+                                            <p:cond delay="0"/>
+                                          </p:stCondLst>
+                                        </p:cTn>
+                                        <p:tgtEl>
+                                          <p:spTgt spid="3">
+                                            <p:txEl>
+                                              <p:pRg st="5" end="5"/>
+                                            </p:txEl>
+                                          </p:spTgt>
+                                        </p:tgtEl>
+                                        <p:attrNameLst>
+                                          <p:attrName>style.visibility</p:attrName>
+                                        </p:attrNameLst>
+                                      </p:cBhvr>
+                                      <p:to>
+                                        <p:strVal val="visible"/>
+                                      </p:to>
+                                    </p:set>
+                                    <p:anim calcmode="lin" valueType="num">
+                                      <p:cBhvr additive="base">
+                                        <p:cTn id="37" dur="500" fill="hold"/>
+                                        <p:tgtEl>
+                                          <p:spTgt spid="3">
+                                            <p:txEl>
+                                              <p:pRg st="5" end="5"/>
+                                            </p:txEl>
+                                          </p:spTgt>
+                                        </p:tgtEl>
+                                        <p:attrNameLst>
+                                          <p:attrName>ppt_x</p:attrName>
+                                        </p:attrNameLst>
+                                      </p:cBhvr>
+                                      <p:tavLst>
+                                        <p:tav tm="0">
+                                          <p:val>
+                                            <p:strVal val="#ppt_x"/>
+                                          </p:val>
+                                        </p:tav>
+                                        <p:tav tm="100000">
+                                          <p:val>
+                                            <p:strVal val="#ppt_x"/>
+                                          </p:val>
+                                        </p:tav>
+                                      </p:tavLst>
+                                    </p:anim>
+                                    <p:anim calcmode="lin" valueType="num">
+                                      <p:cBhvr additive="base">
+                                        <p:cTn id="38" dur="500" fill="hold"/>
+                                        <p:tgtEl>
+                                          <p:spTgt spid="3">
+                                            <p:txEl>
+                                              <p:pRg st="5" end="5"/>
+                                            </p:txEl>
+                                          </p:spTgt>
+                                        </p:tgtEl>
+                                        <p:attrNameLst>
+                                          <p:attrName>ppt_y</p:attrName>
+                                        </p:attrNameLst>
+                                      </p:cBhvr>
+                                      <p:tavLst>
+                                        <p:tav tm="0">
+                                          <p:val>
+                                            <p:strVal val="1+#ppt_h/2"/>
+                                          </p:val>
+                                        </p:tav>
+                                        <p:tav tm="100000">
+                                          <p:val>
+                                            <p:strVal val="#ppt_y"/>
+                                          </p:val>
+                                        </p:tav>
+                                      </p:tavLst>
+                                    </p:anim>
+                                  </p:childTnLst>
+                                </p:cTn>
+                              </p:par>
+                            </p:childTnLst>
+                          </p:cTn>
+                        </p:par>
+                      </p:childTnLst>
+                    </p:cTn>
+                  </p:par>
+                  <p:par>
+                    <p:cTn id="39" fill="hold">
+                      <p:stCondLst>
+                        <p:cond delay="indefinite"/>
+                      </p:stCondLst>
+                      <p:childTnLst>
+                        <p:par>
+                          <p:cTn id="40" fill="hold">
+                            <p:stCondLst>
+                              <p:cond delay="0"/>
+                            </p:stCondLst>
+                            <p:childTnLst>
+                              <p:par>
+                                <p:cTn id="41" presetID="2" presetClass="entr" presetSubtype="4" fill="hold" grpId="0" nodeType="clickEffect">
+                                  <p:stCondLst>
+                                    <p:cond delay="0"/>
+                                  </p:stCondLst>
+                                  <p:childTnLst>
+                                    <p:set>
+                                      <p:cBhvr>
+                                        <p:cTn id="42" dur="1" fill="hold">
+                                          <p:stCondLst>
+                                            <p:cond delay="0"/>
+                                          </p:stCondLst>
+                                        </p:cTn>
+                                        <p:tgtEl>
+                                          <p:spTgt spid="3">
+                                            <p:txEl>
+                                              <p:pRg st="6" end="6"/>
+                                            </p:txEl>
+                                          </p:spTgt>
+                                        </p:tgtEl>
+                                        <p:attrNameLst>
+                                          <p:attrName>style.visibility</p:attrName>
+                                        </p:attrNameLst>
+                                      </p:cBhvr>
+                                      <p:to>
+                                        <p:strVal val="visible"/>
+                                      </p:to>
+                                    </p:set>
+                                    <p:anim calcmode="lin" valueType="num">
+                                      <p:cBhvr additive="base">
+                                        <p:cTn id="43" dur="500" fill="hold"/>
+                                        <p:tgtEl>
+                                          <p:spTgt spid="3">
+                                            <p:txEl>
+                                              <p:pRg st="6" end="6"/>
+                                            </p:txEl>
+                                          </p:spTgt>
+                                        </p:tgtEl>
+                                        <p:attrNameLst>
+                                          <p:attrName>ppt_x</p:attrName>
+                                        </p:attrNameLst>
+                                      </p:cBhvr>
+                                      <p:tavLst>
+                                        <p:tav tm="0">
+                                          <p:val>
+                                            <p:strVal val="#ppt_x"/>
+                                          </p:val>
+                                        </p:tav>
+                                        <p:tav tm="100000">
+                                          <p:val>
+                                            <p:strVal val="#ppt_x"/>
+                                          </p:val>
+                                        </p:tav>
+                                      </p:tavLst>
+                                    </p:anim>
+                                    <p:anim calcmode="lin" valueType="num">
+                                      <p:cBhvr additive="base">
+                                        <p:cTn id="44" dur="500" fill="hold"/>
+                                        <p:tgtEl>
+                                          <p:spTgt spid="3">
+                                            <p:txEl>
+                                              <p:pRg st="6" end="6"/>
+                                            </p:txEl>
+                                          </p:spTgt>
+                                        </p:tgtEl>
+                                        <p:attrNameLst>
+                                          <p:attrName>ppt_y</p:attrName>
+                                        </p:attrNameLst>
+                                      </p:cBhvr>
+                                      <p:tavLst>
+                                        <p:tav tm="0">
+                                          <p:val>
+                                            <p:strVal val="1+#ppt_h/2"/>
+                                          </p:val>
+                                        </p:tav>
+                                        <p:tav tm="100000">
+                                          <p:val>
+                                            <p:strVal val="#ppt_y"/>
+                                          </p:val>
+                                        </p:tav>
+                                      </p:tavLst>
+                                    </p:anim>
+                                  </p:childTnLst>
+                                </p:cTn>
+                              </p:par>
+                            </p:childTnLst>
+                          </p:cTn>
+                        </p:par>
+                      </p:childTnLst>
+                    </p:cTn>
+                  </p:par>
+                </p:childTnLst>
+              </p:cTn>
+              <p:prevCondLst>
+                <p:cond evt="onPrev" delay="0">
+                  <p:tgtEl>
+                    <p:sldTgt/>
+                  </p:tgtEl>
+                </p:cond>
+              </p:prevCondLst>
+              <p:nextCondLst>
+                <p:cond evt="onNext" delay="0">
+                  <p:tgtEl>
+                    <p:sldTgt/>
+                  </p:tgtEl>
+                </p:cond>
+              </p:nextCondLst>
+            </p:seq>
+          </p:childTnLst>
+        </p:cTn>
+      </p:par>
+    </p:tnLst>
+    <p:bldLst>
+      <p:bldP spid="3" grpId="0" build="p"/>
+    </p:bldLst>
+  </p:timing>
+</p:sld>
+</file>
+
+<file path=ppt/slides/slide16.xml><?xml version="1.0" encoding="utf-8"?>
+<p:sld xmlns:a="http://schemas.openxmlformats.org/drawingml/2006/main" xmlns:r="http://schemas.openxmlformats.org/officeDocument/2006/relationships" xmlns:p="http://schemas.openxmlformats.org/presentationml/2006/main">
+  <p:cSld>
+    <p:spTree>
+      <p:nvGrpSpPr>
+        <p:cNvPr id="1" name=""/>
+        <p:cNvGrpSpPr/>
+        <p:nvPr/>
+      </p:nvGrpSpPr>
+      <p:grpSpPr>
+        <a:xfrm>
+          <a:off x="0" y="0"/>
+          <a:ext cx="0" cy="0"/>
+          <a:chOff x="0" y="0"/>
+          <a:chExt cx="0" cy="0"/>
+        </a:xfrm>
+      </p:grpSpPr>
+      <p:sp>
+        <p:nvSpPr>
+          <p:cNvPr id="2" name="Title 1"/>
+          <p:cNvSpPr>
+            <a:spLocks noGrp="1"/>
+          </p:cNvSpPr>
+          <p:nvPr>
+            <p:ph type="title"/>
+          </p:nvPr>
+        </p:nvSpPr>
+        <p:spPr/>
+        <p:txBody>
+          <a:bodyPr/>
+          <a:lstStyle/>
+          <a:p>
+            <a:r>
+              <a:rPr lang="en-US" dirty="0"/>
+              <a:t>Build Performance Improvements</a:t>
+            </a:r>
+          </a:p>
+        </p:txBody>
+      </p:sp>
+      <p:pic>
+        <p:nvPicPr>
+          <p:cNvPr id="5" name="Content Placeholder 4"/>
+          <p:cNvPicPr>
+            <a:picLocks noGrp="1" noChangeAspect="1"/>
+          </p:cNvPicPr>
+          <p:nvPr>
+            <p:ph sz="half" idx="1"/>
+          </p:nvPr>
+        </p:nvPicPr>
+        <p:blipFill>
+          <a:blip r:embed="rId2">
+            <a:extLst>
+              <a:ext uri="{28A0092B-C50C-407E-A947-70E740481C1C}">
+                <a14:useLocalDpi xmlns:a14="http://schemas.microsoft.com/office/drawing/2010/main" val="0"/>
+              </a:ext>
+            </a:extLst>
+          </a:blip>
+          <a:stretch>
+            <a:fillRect/>
+          </a:stretch>
+        </p:blipFill>
+        <p:spPr>
+          <a:xfrm>
+            <a:off x="1155700" y="2952042"/>
+            <a:ext cx="4824413" cy="2719215"/>
+          </a:xfrm>
+        </p:spPr>
+      </p:pic>
+      <p:sp>
+        <p:nvSpPr>
+          <p:cNvPr id="4" name="Content Placeholder 3"/>
+          <p:cNvSpPr>
+            <a:spLocks noGrp="1"/>
+          </p:cNvSpPr>
+          <p:nvPr>
+            <p:ph sz="half" idx="2"/>
+          </p:nvPr>
+        </p:nvSpPr>
+        <p:spPr>
+          <a:xfrm>
+            <a:off x="6400799" y="2952042"/>
+            <a:ext cx="5286896" cy="2719215"/>
+          </a:xfrm>
+        </p:spPr>
+        <p:txBody>
+          <a:bodyPr/>
+          <a:lstStyle/>
+          <a:p>
+            <a:r>
+              <a:rPr lang="en-US" dirty="0" smtClean="0"/>
+              <a:t>The </a:t>
+            </a:r>
+            <a:r>
+              <a:rPr lang="en-US" dirty="0"/>
+              <a:t>image refers to the 2.1.300 SDK version</a:t>
+            </a:r>
+            <a:r>
+              <a:rPr lang="en-US" dirty="0" smtClean="0"/>
+              <a:t>.</a:t>
+            </a:r>
+          </a:p>
+          <a:p>
+            <a:r>
+              <a:rPr lang="en-US" dirty="0"/>
+              <a:t>These benchmarks were produced from projects at </a:t>
+            </a:r>
+            <a:r>
+              <a:rPr lang="en-US" dirty="0" err="1">
+                <a:hlinkClick r:id="rId3"/>
+              </a:rPr>
+              <a:t>mikeharder</a:t>
+            </a:r>
+            <a:r>
+              <a:rPr lang="en-US" dirty="0">
+                <a:hlinkClick r:id="rId3"/>
+              </a:rPr>
+              <a:t>/</a:t>
+            </a:r>
+            <a:r>
+              <a:rPr lang="en-US" dirty="0" err="1">
+                <a:hlinkClick r:id="rId3"/>
+              </a:rPr>
+              <a:t>dotnet</a:t>
+            </a:r>
+            <a:r>
+              <a:rPr lang="en-US" dirty="0">
+                <a:hlinkClick r:id="rId3"/>
+              </a:rPr>
+              <a:t>-cli-perf</a:t>
+            </a:r>
+            <a:r>
+              <a:rPr lang="en-US" dirty="0" smtClean="0"/>
+              <a:t>.</a:t>
+            </a:r>
+          </a:p>
+          <a:p>
+            <a:endParaRPr lang="en-US" dirty="0" smtClean="0"/>
+          </a:p>
+          <a:p>
+            <a:endParaRPr lang="en-US" dirty="0"/>
+          </a:p>
+        </p:txBody>
+      </p:sp>
+    </p:spTree>
+    <p:extLst>
+      <p:ext uri="{BB962C8B-B14F-4D97-AF65-F5344CB8AC3E}">
+        <p14:creationId xmlns:p14="http://schemas.microsoft.com/office/powerpoint/2010/main" val="1140240080"/>
+      </p:ext>
+    </p:extLst>
+  </p:cSld>
+  <p:clrMapOvr>
+    <a:masterClrMapping/>
+  </p:clrMapOvr>
+  <p:timing>
+    <p:tnLst>
+      <p:par>
+        <p:cTn id="1" dur="indefinite" restart="never" nodeType="tmRoot">
+          <p:childTnLst>
+            <p:seq concurrent="1" nextAc="seek">
+              <p:cTn id="2" dur="indefinite" nodeType="mainSeq">
+                <p:childTnLst>
+                  <p:par>
+                    <p:cTn id="3" fill="hold">
+                      <p:stCondLst>
+                        <p:cond delay="indefinite"/>
+                      </p:stCondLst>
+                      <p:childTnLst>
+                        <p:par>
+                          <p:cTn id="4" fill="hold">
+                            <p:stCondLst>
+                              <p:cond delay="0"/>
+                            </p:stCondLst>
+                            <p:childTnLst>
+                              <p:par>
+                                <p:cTn id="5" presetID="6" presetClass="entr" presetSubtype="16" fill="hold" nodeType="clickEffect">
+                                  <p:stCondLst>
+                                    <p:cond delay="0"/>
+                                  </p:stCondLst>
+                                  <p:childTnLst>
+                                    <p:set>
+                                      <p:cBhvr>
+                                        <p:cTn id="6" dur="1" fill="hold">
+                                          <p:stCondLst>
+                                            <p:cond delay="0"/>
+                                          </p:stCondLst>
+                                        </p:cTn>
+                                        <p:tgtEl>
+                                          <p:spTgt spid="5"/>
+                                        </p:tgtEl>
+                                        <p:attrNameLst>
+                                          <p:attrName>style.visibility</p:attrName>
+                                        </p:attrNameLst>
+                                      </p:cBhvr>
+                                      <p:to>
+                                        <p:strVal val="visible"/>
+                                      </p:to>
+                                    </p:set>
+                                    <p:animEffect transition="in" filter="circle(in)">
+                                      <p:cBhvr>
+                                        <p:cTn id="7" dur="2000"/>
+                                        <p:tgtEl>
+                                          <p:spTgt spid="5"/>
+                                        </p:tgtEl>
+                                      </p:cBhvr>
+                                    </p:animEffect>
+                                  </p:childTnLst>
+                                </p:cTn>
+                              </p:par>
+                            </p:childTnLst>
+                          </p:cTn>
+                        </p:par>
+                      </p:childTnLst>
+                    </p:cTn>
+                  </p:par>
+                  <p:par>
+                    <p:cTn id="8" fill="hold">
+                      <p:stCondLst>
+                        <p:cond delay="indefinite"/>
+                      </p:stCondLst>
+                      <p:childTnLst>
+                        <p:par>
+                          <p:cTn id="9" fill="hold">
+                            <p:stCondLst>
+                              <p:cond delay="0"/>
+                            </p:stCondLst>
+                            <p:childTnLst>
+                              <p:par>
+                                <p:cTn id="10" presetID="16" presetClass="entr" presetSubtype="21" fill="hold" grpId="0" nodeType="clickEffect">
+                                  <p:stCondLst>
+                                    <p:cond delay="0"/>
+                                  </p:stCondLst>
+                                  <p:childTnLst>
+                                    <p:set>
+                                      <p:cBhvr>
+                                        <p:cTn id="11" dur="1" fill="hold">
+                                          <p:stCondLst>
+                                            <p:cond delay="0"/>
+                                          </p:stCondLst>
+                                        </p:cTn>
+                                        <p:tgtEl>
+                                          <p:spTgt spid="4">
+                                            <p:txEl>
+                                              <p:pRg st="0" end="0"/>
+                                            </p:txEl>
+                                          </p:spTgt>
+                                        </p:tgtEl>
+                                        <p:attrNameLst>
+                                          <p:attrName>style.visibility</p:attrName>
+                                        </p:attrNameLst>
+                                      </p:cBhvr>
+                                      <p:to>
+                                        <p:strVal val="visible"/>
+                                      </p:to>
+                                    </p:set>
+                                    <p:animEffect transition="in" filter="barn(inVertical)">
+                                      <p:cBhvr>
+                                        <p:cTn id="12" dur="500"/>
+                                        <p:tgtEl>
+                                          <p:spTgt spid="4">
+                                            <p:txEl>
+                                              <p:pRg st="0" end="0"/>
+                                            </p:txEl>
+                                          </p:spTgt>
+                                        </p:tgtEl>
+                                      </p:cBhvr>
+                                    </p:animEffect>
+                                  </p:childTnLst>
+                                </p:cTn>
+                              </p:par>
+                            </p:childTnLst>
+                          </p:cTn>
+                        </p:par>
+                      </p:childTnLst>
+                    </p:cTn>
+                  </p:par>
+                  <p:par>
+                    <p:cTn id="13" fill="hold">
+                      <p:stCondLst>
+                        <p:cond delay="indefinite"/>
+                      </p:stCondLst>
+                      <p:childTnLst>
+                        <p:par>
+                          <p:cTn id="14" fill="hold">
+                            <p:stCondLst>
+                              <p:cond delay="0"/>
+                            </p:stCondLst>
+                            <p:childTnLst>
+                              <p:par>
+                                <p:cTn id="15" presetID="16" presetClass="entr" presetSubtype="21" fill="hold" grpId="0" nodeType="clickEffect">
+                                  <p:stCondLst>
+                                    <p:cond delay="0"/>
+                                  </p:stCondLst>
+                                  <p:childTnLst>
+                                    <p:set>
+                                      <p:cBhvr>
+                                        <p:cTn id="16" dur="1" fill="hold">
+                                          <p:stCondLst>
+                                            <p:cond delay="0"/>
+                                          </p:stCondLst>
+                                        </p:cTn>
+                                        <p:tgtEl>
+                                          <p:spTgt spid="4">
+                                            <p:txEl>
+                                              <p:pRg st="1" end="1"/>
+                                            </p:txEl>
+                                          </p:spTgt>
+                                        </p:tgtEl>
+                                        <p:attrNameLst>
+                                          <p:attrName>style.visibility</p:attrName>
+                                        </p:attrNameLst>
+                                      </p:cBhvr>
+                                      <p:to>
+                                        <p:strVal val="visible"/>
+                                      </p:to>
+                                    </p:set>
+                                    <p:animEffect transition="in" filter="barn(inVertical)">
+                                      <p:cBhvr>
+                                        <p:cTn id="17" dur="500"/>
+                                        <p:tgtEl>
+                                          <p:spTgt spid="4">
+                                            <p:txEl>
+                                              <p:pRg st="1" end="1"/>
+                                            </p:txEl>
+                                          </p:spTgt>
+                                        </p:tgtEl>
+                                      </p:cBhvr>
+                                    </p:animEffect>
+                                  </p:childTnLst>
+                                </p:cTn>
+                              </p:par>
+                            </p:childTnLst>
+                          </p:cTn>
+                        </p:par>
+                      </p:childTnLst>
+                    </p:cTn>
+                  </p:par>
+                </p:childTnLst>
+              </p:cTn>
+              <p:prevCondLst>
+                <p:cond evt="onPrev" delay="0">
+                  <p:tgtEl>
+                    <p:sldTgt/>
+                  </p:tgtEl>
+                </p:cond>
+              </p:prevCondLst>
+              <p:nextCondLst>
+                <p:cond evt="onNext" delay="0">
+                  <p:tgtEl>
+                    <p:sldTgt/>
+                  </p:tgtEl>
+                </p:cond>
+              </p:nextCondLst>
+            </p:seq>
+          </p:childTnLst>
+        </p:cTn>
+      </p:par>
+    </p:tnLst>
+    <p:bldLst>
+      <p:bldP spid="4" grpId="0" build="p"/>
+    </p:bldLst>
+  </p:timing>
+</p:sld>
+</file>
+
+<file path=ppt/slides/slide17.xml><?xml version="1.0" encoding="utf-8"?>
+<p:sld xmlns:a="http://schemas.openxmlformats.org/drawingml/2006/main" xmlns:r="http://schemas.openxmlformats.org/officeDocument/2006/relationships" xmlns:p="http://schemas.openxmlformats.org/presentationml/2006/main">
+  <p:cSld>
+    <p:spTree>
+      <p:nvGrpSpPr>
+        <p:cNvPr id="1" name=""/>
+        <p:cNvGrpSpPr/>
+        <p:nvPr/>
+      </p:nvGrpSpPr>
+      <p:grpSpPr>
+        <a:xfrm>
+          <a:off x="0" y="0"/>
+          <a:ext cx="0" cy="0"/>
+          <a:chOff x="0" y="0"/>
+          <a:chExt cx="0" cy="0"/>
+        </a:xfrm>
+      </p:grpSpPr>
       <p:pic>
         <p:nvPicPr>
           <p:cNvPr id="4098" name="Picture 2" descr="http://freegoogleslidestemplates.com/wp-content/uploads/2016/04/FGST0013-modern-presentation-pitch-template-13.jpg"/>
@@ -16145,8 +17557,8 @@
         </p:blipFill>
         <p:spPr>
           <a:xfrm>
-            <a:off x="720912" y="2603500"/>
-            <a:ext cx="2579241" cy="2579241"/>
+            <a:off x="720913" y="2603501"/>
+            <a:ext cx="1905910" cy="1905910"/>
           </a:xfrm>
         </p:spPr>
       </p:pic>
@@ -16394,7 +17806,7 @@
                             </p:stCondLst>
                             <p:childTnLst>
                               <p:par>
-                                <p:cTn id="5" presetID="10" presetClass="entr" presetSubtype="0" fill="hold" grpId="0" nodeType="clickEffect">
+                                <p:cTn id="5" presetID="2" presetClass="entr" presetSubtype="4" fill="hold" grpId="0" nodeType="clickEffect">
                                   <p:stCondLst>
                                     <p:cond delay="0"/>
                                   </p:stCondLst>
@@ -16402,158 +17814,6 @@
                                     <p:set>
                                       <p:cBhvr>
                                         <p:cTn id="6" dur="1" fill="hold">
-                                          <p:stCondLst>
-                                            <p:cond delay="0"/>
-                                          </p:stCondLst>
-                                        </p:cTn>
-                                        <p:tgtEl>
-                                          <p:spTgt spid="18"/>
-                                        </p:tgtEl>
-                                        <p:attrNameLst>
-                                          <p:attrName>style.visibility</p:attrName>
-                                        </p:attrNameLst>
-                                      </p:cBhvr>
-                                      <p:to>
-                                        <p:strVal val="visible"/>
-                                      </p:to>
-                                    </p:set>
-                                    <p:animEffect transition="in" filter="fade">
-                                      <p:cBhvr>
-                                        <p:cTn id="7" dur="500"/>
-                                        <p:tgtEl>
-                                          <p:spTgt spid="18"/>
-                                        </p:tgtEl>
-                                      </p:cBhvr>
-                                    </p:animEffect>
-                                  </p:childTnLst>
-                                </p:cTn>
-                              </p:par>
-                            </p:childTnLst>
-                          </p:cTn>
-                        </p:par>
-                      </p:childTnLst>
-                    </p:cTn>
-                  </p:par>
-                  <p:par>
-                    <p:cTn id="8" fill="hold">
-                      <p:stCondLst>
-                        <p:cond delay="indefinite"/>
-                      </p:stCondLst>
-                      <p:childTnLst>
-                        <p:par>
-                          <p:cTn id="9" fill="hold">
-                            <p:stCondLst>
-                              <p:cond delay="0"/>
-                            </p:stCondLst>
-                            <p:childTnLst>
-                              <p:par>
-                                <p:cTn id="10" presetID="53" presetClass="entr" presetSubtype="16" fill="hold" nodeType="clickEffect">
-                                  <p:stCondLst>
-                                    <p:cond delay="0"/>
-                                  </p:stCondLst>
-                                  <p:childTnLst>
-                                    <p:set>
-                                      <p:cBhvr>
-                                        <p:cTn id="11" dur="1" fill="hold">
-                                          <p:stCondLst>
-                                            <p:cond delay="0"/>
-                                          </p:stCondLst>
-                                        </p:cTn>
-                                        <p:tgtEl>
-                                          <p:spTgt spid="17"/>
-                                        </p:tgtEl>
-                                        <p:attrNameLst>
-                                          <p:attrName>style.visibility</p:attrName>
-                                        </p:attrNameLst>
-                                      </p:cBhvr>
-                                      <p:to>
-                                        <p:strVal val="visible"/>
-                                      </p:to>
-                                    </p:set>
-                                    <p:anim calcmode="lin" valueType="num">
-                                      <p:cBhvr>
-                                        <p:cTn id="12" dur="500" fill="hold"/>
-                                        <p:tgtEl>
-                                          <p:spTgt spid="17"/>
-                                        </p:tgtEl>
-                                        <p:attrNameLst>
-                                          <p:attrName>ppt_w</p:attrName>
-                                        </p:attrNameLst>
-                                      </p:cBhvr>
-                                      <p:tavLst>
-                                        <p:tav tm="0">
-                                          <p:val>
-                                            <p:fltVal val="0"/>
-                                          </p:val>
-                                        </p:tav>
-                                        <p:tav tm="100000">
-                                          <p:val>
-                                            <p:strVal val="#ppt_w"/>
-                                          </p:val>
-                                        </p:tav>
-                                      </p:tavLst>
-                                    </p:anim>
-                                    <p:anim calcmode="lin" valueType="num">
-                                      <p:cBhvr>
-                                        <p:cTn id="13" dur="500" fill="hold"/>
-                                        <p:tgtEl>
-                                          <p:spTgt spid="17"/>
-                                        </p:tgtEl>
-                                        <p:attrNameLst>
-                                          <p:attrName>ppt_h</p:attrName>
-                                        </p:attrNameLst>
-                                      </p:cBhvr>
-                                      <p:tavLst>
-                                        <p:tav tm="0">
-                                          <p:val>
-                                            <p:fltVal val="0"/>
-                                          </p:val>
-                                        </p:tav>
-                                        <p:tav tm="100000">
-                                          <p:val>
-                                            <p:strVal val="#ppt_h"/>
-                                          </p:val>
-                                        </p:tav>
-                                      </p:tavLst>
-                                    </p:anim>
-                                    <p:animEffect transition="in" filter="fade">
-                                      <p:cBhvr>
-                                        <p:cTn id="14" dur="500"/>
-                                        <p:tgtEl>
-                                          <p:spTgt spid="17"/>
-                                        </p:tgtEl>
-                                      </p:cBhvr>
-                                    </p:animEffect>
-                                  </p:childTnLst>
-                                </p:cTn>
-                              </p:par>
-                            </p:childTnLst>
-                          </p:cTn>
-                        </p:par>
-                      </p:childTnLst>
-                    </p:cTn>
-                  </p:par>
-                  <p:par>
-                    <p:cTn id="15" fill="hold">
-                      <p:stCondLst>
-                        <p:cond delay="indefinite"/>
-                      </p:stCondLst>
-                      <p:childTnLst>
-                        <p:par>
-                          <p:cTn id="16" fill="hold">
-                            <p:stCondLst>
-                              <p:cond delay="0"/>
-                            </p:stCondLst>
-                            <p:childTnLst>
-                              <p:par>
-                                <p:cTn id="17" presetID="2" presetClass="entr" presetSubtype="4" fill="hold" grpId="0" nodeType="clickEffect">
-                                  <p:stCondLst>
-                                    <p:cond delay="0"/>
-                                  </p:stCondLst>
-                                  <p:childTnLst>
-                                    <p:set>
-                                      <p:cBhvr>
-                                        <p:cTn id="18" dur="1" fill="hold">
                                           <p:stCondLst>
                                             <p:cond delay="0"/>
                                           </p:stCondLst>
@@ -16575,7 +17835,7 @@
                                     </p:set>
                                     <p:anim calcmode="lin" valueType="num">
                                       <p:cBhvr additive="base">
-                                        <p:cTn id="19" dur="500" fill="hold"/>
+                                        <p:cTn id="7" dur="500" fill="hold"/>
                                         <p:tgtEl>
                                           <p:spTgt spid="19">
                                             <p:txEl>
@@ -16602,7 +17862,7 @@
                                     </p:anim>
                                     <p:anim calcmode="lin" valueType="num">
                                       <p:cBhvr additive="base">
-                                        <p:cTn id="20" dur="500" fill="hold"/>
+                                        <p:cTn id="8" dur="500" fill="hold"/>
                                         <p:tgtEl>
                                           <p:spTgt spid="19">
                                             <p:txEl>
@@ -16637,26 +17897,26 @@
                     </p:cTn>
                   </p:par>
                   <p:par>
-                    <p:cTn id="21" fill="hold">
+                    <p:cTn id="9" fill="hold">
                       <p:stCondLst>
                         <p:cond delay="indefinite"/>
                       </p:stCondLst>
                       <p:childTnLst>
                         <p:par>
-                          <p:cTn id="22" fill="hold">
+                          <p:cTn id="10" fill="hold">
                             <p:stCondLst>
                               <p:cond delay="0"/>
                             </p:stCondLst>
                             <p:childTnLst>
                               <p:par>
-                                <p:cTn id="23" presetID="2" presetClass="entr" presetSubtype="4" fill="hold" grpId="0" nodeType="clickEffect">
+                                <p:cTn id="11" presetID="2" presetClass="entr" presetSubtype="4" fill="hold" grpId="0" nodeType="clickEffect">
                                   <p:stCondLst>
                                     <p:cond delay="0"/>
                                   </p:stCondLst>
                                   <p:childTnLst>
                                     <p:set>
                                       <p:cBhvr>
-                                        <p:cTn id="24" dur="1" fill="hold">
+                                        <p:cTn id="12" dur="1" fill="hold">
                                           <p:stCondLst>
                                             <p:cond delay="0"/>
                                           </p:stCondLst>
@@ -16678,7 +17938,7 @@
                                     </p:set>
                                     <p:anim calcmode="lin" valueType="num">
                                       <p:cBhvr additive="base">
-                                        <p:cTn id="25" dur="500" fill="hold"/>
+                                        <p:cTn id="13" dur="500" fill="hold"/>
                                         <p:tgtEl>
                                           <p:spTgt spid="19">
                                             <p:txEl>
@@ -16705,7 +17965,7 @@
                                     </p:anim>
                                     <p:anim calcmode="lin" valueType="num">
                                       <p:cBhvr additive="base">
-                                        <p:cTn id="26" dur="500" fill="hold"/>
+                                        <p:cTn id="14" dur="500" fill="hold"/>
                                         <p:tgtEl>
                                           <p:spTgt spid="19">
                                             <p:txEl>
@@ -16740,26 +18000,26 @@
                     </p:cTn>
                   </p:par>
                   <p:par>
-                    <p:cTn id="27" fill="hold">
+                    <p:cTn id="15" fill="hold">
                       <p:stCondLst>
                         <p:cond delay="indefinite"/>
                       </p:stCondLst>
                       <p:childTnLst>
                         <p:par>
-                          <p:cTn id="28" fill="hold">
+                          <p:cTn id="16" fill="hold">
                             <p:stCondLst>
                               <p:cond delay="0"/>
                             </p:stCondLst>
                             <p:childTnLst>
                               <p:par>
-                                <p:cTn id="29" presetID="2" presetClass="entr" presetSubtype="4" fill="hold" grpId="0" nodeType="clickEffect">
+                                <p:cTn id="17" presetID="42" presetClass="entr" presetSubtype="0" fill="hold" nodeType="clickEffect">
                                   <p:stCondLst>
                                     <p:cond delay="0"/>
                                   </p:stCondLst>
                                   <p:childTnLst>
                                     <p:set>
                                       <p:cBhvr>
-                                        <p:cTn id="30" dur="1" fill="hold">
+                                        <p:cTn id="18" dur="1" fill="hold">
                                           <p:stCondLst>
                                             <p:cond delay="0"/>
                                           </p:stCondLst>
@@ -16779,9 +18039,21 @@
                                         <p:strVal val="visible"/>
                                       </p:to>
                                     </p:set>
+                                    <p:animEffect transition="in" filter="fade">
+                                      <p:cBhvr>
+                                        <p:cTn id="19" dur="1000"/>
+                                        <p:tgtEl>
+                                          <p:spTgt spid="19">
+                                            <p:txEl>
+                                              <p:pRg st="2" end="2"/>
+                                            </p:txEl>
+                                          </p:spTgt>
+                                        </p:tgtEl>
+                                      </p:cBhvr>
+                                    </p:animEffect>
                                     <p:anim calcmode="lin" valueType="num">
-                                      <p:cBhvr additive="base">
-                                        <p:cTn id="31" dur="500" fill="hold"/>
+                                      <p:cBhvr>
+                                        <p:cTn id="20" dur="1000" fill="hold"/>
                                         <p:tgtEl>
                                           <p:spTgt spid="19">
                                             <p:txEl>
@@ -16807,8 +18079,8 @@
                                       </p:tavLst>
                                     </p:anim>
                                     <p:anim calcmode="lin" valueType="num">
-                                      <p:cBhvr additive="base">
-                                        <p:cTn id="32" dur="500" fill="hold"/>
+                                      <p:cBhvr>
+                                        <p:cTn id="21" dur="1000" fill="hold"/>
                                         <p:tgtEl>
                                           <p:spTgt spid="19">
                                             <p:txEl>
@@ -16823,7 +18095,7 @@
                                       <p:tavLst>
                                         <p:tav tm="0">
                                           <p:val>
-                                            <p:strVal val="1+#ppt_h/2"/>
+                                            <p:strVal val="#ppt_y+.1"/>
                                           </p:val>
                                         </p:tav>
                                         <p:tav tm="100000">
@@ -16836,33 +18108,15 @@
                                   </p:childTnLst>
                                 </p:cTn>
                               </p:par>
-                            </p:childTnLst>
-                          </p:cTn>
-                        </p:par>
-                      </p:childTnLst>
-                    </p:cTn>
-                  </p:par>
-                  <p:par>
-                    <p:cTn id="33" fill="hold">
-                      <p:stCondLst>
-                        <p:cond delay="indefinite"/>
-                      </p:stCondLst>
-                      <p:childTnLst>
-                        <p:par>
-                          <p:cTn id="34" fill="hold">
-                            <p:stCondLst>
-                              <p:cond delay="0"/>
-                            </p:stCondLst>
-                            <p:childTnLst>
                               <p:par>
-                                <p:cTn id="35" presetID="2" presetClass="entr" presetSubtype="4" fill="hold" grpId="0" nodeType="clickEffect">
+                                <p:cTn id="22" presetID="42" presetClass="entr" presetSubtype="0" fill="hold" nodeType="withEffect">
                                   <p:stCondLst>
                                     <p:cond delay="0"/>
                                   </p:stCondLst>
                                   <p:childTnLst>
                                     <p:set>
                                       <p:cBhvr>
-                                        <p:cTn id="36" dur="1" fill="hold">
+                                        <p:cTn id="23" dur="1" fill="hold">
                                           <p:stCondLst>
                                             <p:cond delay="0"/>
                                           </p:stCondLst>
@@ -16882,9 +18136,21 @@
                                         <p:strVal val="visible"/>
                                       </p:to>
                                     </p:set>
+                                    <p:animEffect transition="in" filter="fade">
+                                      <p:cBhvr>
+                                        <p:cTn id="24" dur="1000"/>
+                                        <p:tgtEl>
+                                          <p:spTgt spid="19">
+                                            <p:txEl>
+                                              <p:pRg st="3" end="3"/>
+                                            </p:txEl>
+                                          </p:spTgt>
+                                        </p:tgtEl>
+                                      </p:cBhvr>
+                                    </p:animEffect>
                                     <p:anim calcmode="lin" valueType="num">
-                                      <p:cBhvr additive="base">
-                                        <p:cTn id="37" dur="500" fill="hold"/>
+                                      <p:cBhvr>
+                                        <p:cTn id="25" dur="1000" fill="hold"/>
                                         <p:tgtEl>
                                           <p:spTgt spid="19">
                                             <p:txEl>
@@ -16910,8 +18176,8 @@
                                       </p:tavLst>
                                     </p:anim>
                                     <p:anim calcmode="lin" valueType="num">
-                                      <p:cBhvr additive="base">
-                                        <p:cTn id="38" dur="500" fill="hold"/>
+                                      <p:cBhvr>
+                                        <p:cTn id="26" dur="1000" fill="hold"/>
                                         <p:tgtEl>
                                           <p:spTgt spid="19">
                                             <p:txEl>
@@ -16926,7 +18192,7 @@
                                       <p:tavLst>
                                         <p:tav tm="0">
                                           <p:val>
-                                            <p:strVal val="1+#ppt_h/2"/>
+                                            <p:strVal val="#ppt_y+.1"/>
                                           </p:val>
                                         </p:tav>
                                         <p:tav tm="100000">
@@ -16939,33 +18205,15 @@
                                   </p:childTnLst>
                                 </p:cTn>
                               </p:par>
-                            </p:childTnLst>
-                          </p:cTn>
-                        </p:par>
-                      </p:childTnLst>
-                    </p:cTn>
-                  </p:par>
-                  <p:par>
-                    <p:cTn id="39" fill="hold">
-                      <p:stCondLst>
-                        <p:cond delay="indefinite"/>
-                      </p:stCondLst>
-                      <p:childTnLst>
-                        <p:par>
-                          <p:cTn id="40" fill="hold">
-                            <p:stCondLst>
-                              <p:cond delay="0"/>
-                            </p:stCondLst>
-                            <p:childTnLst>
                               <p:par>
-                                <p:cTn id="41" presetID="2" presetClass="entr" presetSubtype="4" fill="hold" grpId="0" nodeType="clickEffect">
+                                <p:cTn id="27" presetID="42" presetClass="entr" presetSubtype="0" fill="hold" nodeType="withEffect">
                                   <p:stCondLst>
                                     <p:cond delay="0"/>
                                   </p:stCondLst>
                                   <p:childTnLst>
                                     <p:set>
                                       <p:cBhvr>
-                                        <p:cTn id="42" dur="1" fill="hold">
+                                        <p:cTn id="28" dur="1" fill="hold">
                                           <p:stCondLst>
                                             <p:cond delay="0"/>
                                           </p:stCondLst>
@@ -16985,9 +18233,21 @@
                                         <p:strVal val="visible"/>
                                       </p:to>
                                     </p:set>
+                                    <p:animEffect transition="in" filter="fade">
+                                      <p:cBhvr>
+                                        <p:cTn id="29" dur="1000"/>
+                                        <p:tgtEl>
+                                          <p:spTgt spid="19">
+                                            <p:txEl>
+                                              <p:pRg st="4" end="4"/>
+                                            </p:txEl>
+                                          </p:spTgt>
+                                        </p:tgtEl>
+                                      </p:cBhvr>
+                                    </p:animEffect>
                                     <p:anim calcmode="lin" valueType="num">
-                                      <p:cBhvr additive="base">
-                                        <p:cTn id="43" dur="500" fill="hold"/>
+                                      <p:cBhvr>
+                                        <p:cTn id="30" dur="1000" fill="hold"/>
                                         <p:tgtEl>
                                           <p:spTgt spid="19">
                                             <p:txEl>
@@ -17013,8 +18273,8 @@
                                       </p:tavLst>
                                     </p:anim>
                                     <p:anim calcmode="lin" valueType="num">
-                                      <p:cBhvr additive="base">
-                                        <p:cTn id="44" dur="500" fill="hold"/>
+                                      <p:cBhvr>
+                                        <p:cTn id="31" dur="1000" fill="hold"/>
                                         <p:tgtEl>
                                           <p:spTgt spid="19">
                                             <p:txEl>
@@ -17029,7 +18289,7 @@
                                       <p:tavLst>
                                         <p:tav tm="0">
                                           <p:val>
-                                            <p:strVal val="1+#ppt_h/2"/>
+                                            <p:strVal val="#ppt_y+.1"/>
                                           </p:val>
                                         </p:tav>
                                         <p:tav tm="100000">
@@ -17070,8 +18330,7 @@
       </p:par>
     </p:tnLst>
     <p:bldLst>
-      <p:bldP spid="18" grpId="0"/>
-      <p:bldP spid="19" grpId="0" build="p"/>
+      <p:bldP spid="19" grpId="0" uiExpand="1" build="p"/>
     </p:bldLst>
   </p:timing>
 </p:sld>
@@ -17170,8 +18429,9 @@
             </a:r>
             <a:r>
               <a:rPr lang="en-US" dirty="0" smtClean="0"/>
-              <a:t>applications</a:t>
-            </a:r>
+              <a:t>applications, game development</a:t>
+            </a:r>
+            <a:endParaRPr lang="en-US" dirty="0" smtClean="0"/>
           </a:p>
           <a:p>
             <a:r>
@@ -19468,7 +20728,23 @@
             </a:r>
             <a:r>
               <a:rPr lang="en-US" sz="2400" dirty="0"/>
-              <a:t>web, mobile, server, desktop applications</a:t>
+              <a:t>web, mobile, server, desktop </a:t>
+            </a:r>
+            <a:r>
+              <a:rPr lang="en-US" sz="2400" dirty="0" smtClean="0"/>
+              <a:t>applications</a:t>
+            </a:r>
+            <a:r>
+              <a:rPr lang="en-US" sz="2400" dirty="0"/>
+              <a:t> </a:t>
+            </a:r>
+            <a:r>
+              <a:rPr lang="en-US" sz="2400" dirty="0" smtClean="0"/>
+              <a:t>…</a:t>
+            </a:r>
+            <a:r>
+              <a:rPr lang="en-US" sz="2400" dirty="0"/>
+              <a:t/>
             </a:r>
             <a:br>
               <a:rPr lang="en-US" sz="2400" dirty="0"/>
